--- a/04- Bayesian Models/ML4NuerScience_BayesianModels.pptx
+++ b/04- Bayesian Models/ML4NuerScience_BayesianModels.pptx
@@ -362,7 +362,7 @@
               <a:pPr>
                 <a:defRPr/>
               </a:pPr>
-              <a:t>19/12/2022</a:t>
+              <a:t>09/01/2023</a:t>
             </a:fld>
             <a:endParaRPr lang="en-GB" altLang="en-US" dirty="0"/>
           </a:p>
@@ -596,7 +596,7 @@
               <a:pPr>
                 <a:defRPr/>
               </a:pPr>
-              <a:t>19/12/2022</a:t>
+              <a:t>09/01/2023</a:t>
             </a:fld>
             <a:endParaRPr lang="en-GB" altLang="en-US" dirty="0"/>
           </a:p>
@@ -1371,7 +1371,7 @@
               <a:pPr>
                 <a:defRPr/>
               </a:pPr>
-              <a:t>19/12/2022</a:t>
+              <a:t>09/01/2023</a:t>
             </a:fld>
             <a:endParaRPr lang="en-GB" altLang="en-US" dirty="0"/>
           </a:p>
@@ -1634,7 +1634,7 @@
               <a:pPr>
                 <a:defRPr/>
               </a:pPr>
-              <a:t>19/12/2022</a:t>
+              <a:t>09/01/2023</a:t>
             </a:fld>
             <a:endParaRPr lang="en-GB" altLang="en-US" dirty="0"/>
           </a:p>
@@ -1872,7 +1872,7 @@
               <a:pPr>
                 <a:defRPr/>
               </a:pPr>
-              <a:t>19/12/2022</a:t>
+              <a:t>09/01/2023</a:t>
             </a:fld>
             <a:endParaRPr lang="en-GB" altLang="en-US" dirty="0"/>
           </a:p>
@@ -2206,7 +2206,7 @@
               <a:pPr>
                 <a:defRPr/>
               </a:pPr>
-              <a:t>19/12/2022</a:t>
+              <a:t>09/01/2023</a:t>
             </a:fld>
             <a:endParaRPr lang="en-GB" altLang="en-US" dirty="0"/>
           </a:p>
@@ -2679,7 +2679,7 @@
               <a:pPr>
                 <a:defRPr/>
               </a:pPr>
-              <a:t>19/12/2022</a:t>
+              <a:t>09/01/2023</a:t>
             </a:fld>
             <a:endParaRPr lang="en-GB" altLang="en-US" dirty="0"/>
           </a:p>
@@ -2843,7 +2843,7 @@
               <a:pPr>
                 <a:defRPr/>
               </a:pPr>
-              <a:t>19/12/2022</a:t>
+              <a:t>09/01/2023</a:t>
             </a:fld>
             <a:endParaRPr lang="en-GB" altLang="en-US" dirty="0"/>
           </a:p>
@@ -2984,7 +2984,7 @@
               <a:pPr>
                 <a:defRPr/>
               </a:pPr>
-              <a:t>19/12/2022</a:t>
+              <a:t>09/01/2023</a:t>
             </a:fld>
             <a:endParaRPr lang="en-GB" altLang="en-US" dirty="0"/>
           </a:p>
@@ -3284,7 +3284,7 @@
               <a:pPr>
                 <a:defRPr/>
               </a:pPr>
-              <a:t>19/12/2022</a:t>
+              <a:t>09/01/2023</a:t>
             </a:fld>
             <a:endParaRPr lang="en-GB" altLang="en-US" dirty="0"/>
           </a:p>
@@ -3610,7 +3610,7 @@
               <a:pPr>
                 <a:defRPr/>
               </a:pPr>
-              <a:t>19/12/2022</a:t>
+              <a:t>09/01/2023</a:t>
             </a:fld>
             <a:endParaRPr lang="en-GB" altLang="en-US" dirty="0"/>
           </a:p>
@@ -4963,13 +4963,18 @@
               <a:buNone/>
             </a:pPr>
             <a:r>
-              <a:rPr lang="en-GB" altLang="en-US" sz="1333" dirty="0">
+              <a:rPr lang="en-GB" altLang="en-US" sz="1333">
                 <a:solidFill>
                   <a:srgbClr val="003D7D"/>
                 </a:solidFill>
               </a:rPr>
-              <a:t>Autumn 2022</a:t>
-            </a:r>
+              <a:t>January 2023</a:t>
+            </a:r>
+            <a:endParaRPr lang="en-GB" altLang="en-US" sz="1333" dirty="0">
+              <a:solidFill>
+                <a:srgbClr val="003D7D"/>
+              </a:solidFill>
+            </a:endParaRPr>
           </a:p>
         </p:txBody>
       </p:sp>
@@ -13965,8 +13970,8 @@
           </a:p>
         </p:txBody>
       </p:sp>
-      <mc:AlternateContent xmlns:mc="http://schemas.openxmlformats.org/markup-compatibility/2006">
-        <mc:Choice xmlns:a14="http://schemas.microsoft.com/office/drawing/2010/main" Requires="a14">
+      <mc:AlternateContent xmlns:mc="http://schemas.openxmlformats.org/markup-compatibility/2006" xmlns:a14="http://schemas.microsoft.com/office/drawing/2010/main">
+        <mc:Choice Requires="a14">
           <p:sp>
             <p:nvSpPr>
               <p:cNvPr id="3" name="Content Placeholder 2">
@@ -14673,7 +14678,7 @@
             </p:txBody>
           </p:sp>
         </mc:Choice>
-        <mc:Fallback>
+        <mc:Fallback xmlns="">
           <p:sp>
             <p:nvSpPr>
               <p:cNvPr id="3" name="Content Placeholder 2">
@@ -14935,8 +14940,8 @@
           </a:p>
         </p:txBody>
       </p:sp>
-      <mc:AlternateContent xmlns:mc="http://schemas.openxmlformats.org/markup-compatibility/2006">
-        <mc:Choice xmlns:a14="http://schemas.microsoft.com/office/drawing/2010/main" Requires="a14">
+      <mc:AlternateContent xmlns:mc="http://schemas.openxmlformats.org/markup-compatibility/2006" xmlns:a14="http://schemas.microsoft.com/office/drawing/2010/main">
+        <mc:Choice Requires="a14">
           <p:sp>
             <p:nvSpPr>
               <p:cNvPr id="3" name="Content Placeholder 2">
@@ -16126,7 +16131,7 @@
             </p:txBody>
           </p:sp>
         </mc:Choice>
-        <mc:Fallback>
+        <mc:Fallback xmlns="">
           <p:sp>
             <p:nvSpPr>
               <p:cNvPr id="3" name="Content Placeholder 2">
